--- a/docs/assets/prezentacia2.pptx
+++ b/docs/assets/prezentacia2.pptx
@@ -395,7 +395,7 @@
           <a:p>
             <a:fld id="{AF239A9A-B4B0-4B32-B8CD-2E25E95134C4}" type="datetimeFigureOut">
               <a:rPr lang="en-US" dirty="0"/>
-              <a:t>12/9/2019</a:t>
+              <a:t>12/12/2019</a:t>
             </a:fld>
             <a:endParaRPr lang="en-US" dirty="0"/>
           </a:p>
@@ -804,7 +804,7 @@
           <a:p>
             <a:fld id="{F25518A9-B687-4302-9395-2322403C6656}" type="datetimeFigureOut">
               <a:rPr lang="en-US" dirty="0"/>
-              <a:t>12/9/2019</a:t>
+              <a:t>12/12/2019</a:t>
             </a:fld>
             <a:endParaRPr lang="en-US" dirty="0"/>
           </a:p>
@@ -1135,7 +1135,7 @@
           <a:p>
             <a:fld id="{1A99A684-0CB7-41E9-A4DF-5D1C2CA5BF6F}" type="datetimeFigureOut">
               <a:rPr lang="en-US" dirty="0"/>
-              <a:t>12/9/2019</a:t>
+              <a:t>12/12/2019</a:t>
             </a:fld>
             <a:endParaRPr lang="en-US" dirty="0"/>
           </a:p>
@@ -1535,7 +1535,7 @@
           <a:p>
             <a:fld id="{FEDD7C35-9E19-4518-A4B2-3B09CD8CC756}" type="datetimeFigureOut">
               <a:rPr lang="en-US" dirty="0"/>
-              <a:t>12/9/2019</a:t>
+              <a:t>12/12/2019</a:t>
             </a:fld>
             <a:endParaRPr lang="en-US" dirty="0"/>
           </a:p>
@@ -2098,7 +2098,7 @@
           <a:p>
             <a:fld id="{26196DA8-8897-4DDF-BFB6-5D83863C837A}" type="datetimeFigureOut">
               <a:rPr lang="en-US" dirty="0"/>
-              <a:t>12/9/2019</a:t>
+              <a:t>12/12/2019</a:t>
             </a:fld>
             <a:endParaRPr lang="en-US" dirty="0"/>
           </a:p>
@@ -2774,7 +2774,7 @@
           <a:p>
             <a:fld id="{DCBBA708-C5F0-412D-90E2-1919F0D196AE}" type="datetimeFigureOut">
               <a:rPr lang="en-US" dirty="0"/>
-              <a:t>12/9/2019</a:t>
+              <a:t>12/12/2019</a:t>
             </a:fld>
             <a:endParaRPr lang="en-US" dirty="0"/>
           </a:p>
@@ -3682,7 +3682,7 @@
           <a:p>
             <a:fld id="{A9C8F8FA-EF43-4642-9368-3F4E33039BD9}" type="datetimeFigureOut">
               <a:rPr lang="en-US" dirty="0"/>
-              <a:t>12/9/2019</a:t>
+              <a:t>12/12/2019</a:t>
             </a:fld>
             <a:endParaRPr lang="en-US" dirty="0"/>
           </a:p>
@@ -3990,7 +3990,7 @@
           <a:p>
             <a:fld id="{6B61E721-B01C-4D5D-A3CA-2E5518383F10}" type="datetimeFigureOut">
               <a:rPr lang="en-US" dirty="0"/>
-              <a:t>12/9/2019</a:t>
+              <a:t>12/12/2019</a:t>
             </a:fld>
             <a:endParaRPr lang="en-US" dirty="0"/>
           </a:p>
@@ -4249,7 +4249,7 @@
           <a:p>
             <a:fld id="{6513FEF9-69D0-4F8C-A336-59491FBEDC47}" type="datetimeFigureOut">
               <a:rPr lang="en-US" dirty="0"/>
-              <a:t>12/9/2019</a:t>
+              <a:t>12/12/2019</a:t>
             </a:fld>
             <a:endParaRPr lang="en-US" dirty="0"/>
           </a:p>
@@ -4586,7 +4586,7 @@
           <a:p>
             <a:fld id="{A91E21DC-8981-44E6-BC8C-2BA8F673FFBB}" type="datetimeFigureOut">
               <a:rPr lang="en-US" dirty="0"/>
-              <a:t>12/9/2019</a:t>
+              <a:t>12/12/2019</a:t>
             </a:fld>
             <a:endParaRPr lang="en-US" dirty="0"/>
           </a:p>
@@ -4970,7 +4970,7 @@
           <a:p>
             <a:fld id="{AEB9C5D3-0140-4E75-8D7F-C0623D06DFD7}" type="datetimeFigureOut">
               <a:rPr lang="en-US" dirty="0"/>
-              <a:t>12/9/2019</a:t>
+              <a:t>12/12/2019</a:t>
             </a:fld>
             <a:endParaRPr lang="en-US" dirty="0"/>
           </a:p>
@@ -5341,7 +5341,7 @@
           <a:p>
             <a:fld id="{3A5666F9-5B40-48E0-8DFD-99EF944CDD22}" type="datetimeFigureOut">
               <a:rPr lang="en-US" dirty="0"/>
-              <a:t>12/9/2019</a:t>
+              <a:t>12/12/2019</a:t>
             </a:fld>
             <a:endParaRPr lang="en-US" dirty="0"/>
           </a:p>
@@ -5842,7 +5842,7 @@
           <a:p>
             <a:fld id="{2A698D6B-2C72-4E21-9893-A649C6E2A47D}" type="datetimeFigureOut">
               <a:rPr lang="en-US" dirty="0"/>
-              <a:t>12/9/2019</a:t>
+              <a:t>12/12/2019</a:t>
             </a:fld>
             <a:endParaRPr lang="en-US" dirty="0"/>
           </a:p>
@@ -6094,7 +6094,7 @@
           <a:p>
             <a:fld id="{C86811C9-A66C-49F0-970E-F7B68D9109A0}" type="datetimeFigureOut">
               <a:rPr lang="en-US" dirty="0"/>
-              <a:t>12/9/2019</a:t>
+              <a:t>12/12/2019</a:t>
             </a:fld>
             <a:endParaRPr lang="en-US" dirty="0"/>
           </a:p>
@@ -6252,7 +6252,7 @@
           <a:p>
             <a:fld id="{6C01AE78-96A2-4A23-B183-3B6DB4374FE7}" type="datetimeFigureOut">
               <a:rPr lang="en-US" dirty="0"/>
-              <a:t>12/9/2019</a:t>
+              <a:t>12/12/2019</a:t>
             </a:fld>
             <a:endParaRPr lang="en-US" dirty="0"/>
           </a:p>
@@ -6637,7 +6637,7 @@
           <a:p>
             <a:fld id="{73AE0757-B101-4811-9189-10EB2F458E2D}" type="datetimeFigureOut">
               <a:rPr lang="en-US" dirty="0"/>
-              <a:t>12/9/2019</a:t>
+              <a:t>12/12/2019</a:t>
             </a:fld>
             <a:endParaRPr lang="en-US" dirty="0"/>
           </a:p>
@@ -7041,7 +7041,7 @@
           <a:p>
             <a:fld id="{7EBDC078-589F-40E3-816C-EE21D62B5BBA}" type="datetimeFigureOut">
               <a:rPr lang="en-US" dirty="0"/>
-              <a:t>12/9/2019</a:t>
+              <a:t>12/12/2019</a:t>
             </a:fld>
             <a:endParaRPr lang="en-US" dirty="0"/>
           </a:p>
@@ -7280,7 +7280,7 @@
           <a:p>
             <a:fld id="{C7004436-CA73-4D53-89B4-2A5C7347BF2F}" type="datetimeFigureOut">
               <a:rPr lang="en-US" dirty="0"/>
-              <a:t>12/9/2019</a:t>
+              <a:t>12/12/2019</a:t>
             </a:fld>
             <a:endParaRPr lang="en-US" dirty="0"/>
           </a:p>
@@ -8204,6 +8204,38 @@
           <a:p>
             <a:r>
               <a:rPr lang="sk-SK" sz="2200" dirty="0"/>
+              <a:t>heuristika – Euklidovská vzdialenosť</a:t>
+            </a:r>
+          </a:p>
+          <a:p>
+            <a:r>
+              <a:rPr lang="sk-SK" sz="2200" dirty="0"/>
+              <a:t>redukcia </a:t>
+            </a:r>
+            <a:r>
+              <a:rPr lang="sk-SK" sz="2200" dirty="0" err="1"/>
+              <a:t>prehľadávacieho</a:t>
+            </a:r>
+            <a:r>
+              <a:rPr lang="sk-SK" sz="2200" dirty="0"/>
+              <a:t> priestoru</a:t>
+            </a:r>
+            <a:r>
+              <a:rPr lang="en-GB" sz="2200" dirty="0"/>
+              <a:t> - </a:t>
+            </a:r>
+            <a:r>
+              <a:rPr lang="sk-SK" sz="2200" dirty="0" err="1"/>
+              <a:t>bounding</a:t>
+            </a:r>
+            <a:r>
+              <a:rPr lang="sk-SK" sz="2200" dirty="0"/>
+              <a:t> box</a:t>
+            </a:r>
+          </a:p>
+          <a:p>
+            <a:r>
+              <a:rPr lang="sk-SK" sz="2200" dirty="0"/>
               <a:t>grafový časovo závislý </a:t>
             </a:r>
             <a:r>
@@ -8218,12 +8250,6 @@
           <a:p>
             <a:r>
               <a:rPr lang="sk-SK" sz="2200" dirty="0"/>
-              <a:t>heuristika – Euklidovská vzdialenosť</a:t>
-            </a:r>
-          </a:p>
-          <a:p>
-            <a:r>
-              <a:rPr lang="sk-SK" sz="2200" dirty="0"/>
               <a:t>ohodnotenie – funkcia</a:t>
             </a:r>
           </a:p>
@@ -8246,37 +8272,11 @@
             </a:r>
             <a:r>
               <a:rPr lang="sk-SK" sz="2200" dirty="0" err="1"/>
-              <a:t>time-depentant</a:t>
+              <a:t>time-dependant</a:t>
             </a:r>
             <a:r>
               <a:rPr lang="sk-SK" sz="2200" dirty="0"/>
               <a:t> model</a:t>
-            </a:r>
-          </a:p>
-          <a:p>
-            <a:r>
-              <a:rPr lang="sk-SK" sz="2200" dirty="0"/>
-              <a:t>redukcia </a:t>
-            </a:r>
-            <a:r>
-              <a:rPr lang="sk-SK" sz="2200" dirty="0" err="1"/>
-              <a:t>prehľadávacieho</a:t>
-            </a:r>
-            <a:r>
-              <a:rPr lang="sk-SK" sz="2200" dirty="0"/>
-              <a:t> priestoru</a:t>
-            </a:r>
-            <a:r>
-              <a:rPr lang="en-GB" sz="2200" dirty="0"/>
-              <a:t> - </a:t>
-            </a:r>
-            <a:r>
-              <a:rPr lang="sk-SK" sz="2200" dirty="0" err="1"/>
-              <a:t>bounding</a:t>
-            </a:r>
-            <a:r>
-              <a:rPr lang="sk-SK" sz="2200" dirty="0"/>
-              <a:t> box</a:t>
             </a:r>
           </a:p>
           <a:p>
@@ -8500,7 +8500,7 @@
         <p:spPr>
           <a:xfrm>
             <a:off x="680321" y="2441360"/>
-            <a:ext cx="9613861" cy="3915051"/>
+            <a:ext cx="9866351" cy="3915051"/>
           </a:xfrm>
         </p:spPr>
         <p:txBody>
@@ -8509,9 +8509,6 @@
           </a:bodyPr>
           <a:lstStyle/>
           <a:p>
-            <a:pPr marL="0" indent="0">
-              <a:buNone/>
-            </a:pPr>
             <a:r>
               <a:rPr lang="sk-SK" b="1" dirty="0"/>
               <a:t>RAPTOR</a:t>
@@ -8530,7 +8527,39 @@
             </a:r>
             <a:r>
               <a:rPr lang="sk-SK" b="1" dirty="0"/>
-              <a:t>algoritmus</a:t>
+              <a:t>algoritmus (</a:t>
+            </a:r>
+            <a:r>
+              <a:rPr lang="sk-SK" dirty="0" err="1"/>
+              <a:t>Round-bAsed</a:t>
+            </a:r>
+            <a:r>
+              <a:rPr lang="sk-SK" dirty="0"/>
+              <a:t> </a:t>
+            </a:r>
+            <a:r>
+              <a:rPr lang="sk-SK" dirty="0" err="1"/>
+              <a:t>Public</a:t>
+            </a:r>
+            <a:r>
+              <a:rPr lang="sk-SK" dirty="0"/>
+              <a:t> </a:t>
+            </a:r>
+            <a:r>
+              <a:rPr lang="sk-SK" dirty="0" err="1"/>
+              <a:t>Transit</a:t>
+            </a:r>
+            <a:r>
+              <a:rPr lang="sk-SK" dirty="0"/>
+              <a:t> </a:t>
+            </a:r>
+            <a:r>
+              <a:rPr lang="sk-SK" dirty="0" err="1"/>
+              <a:t>Optimal</a:t>
+            </a:r>
+            <a:r>
+              <a:rPr lang="sk-SK" dirty="0"/>
+              <a:t> Router)</a:t>
             </a:r>
             <a:endParaRPr lang="en-GB" b="1" dirty="0"/>
           </a:p>
@@ -8549,19 +8578,19 @@
           <a:p>
             <a:r>
               <a:rPr lang="sk-SK" sz="2200" dirty="0"/>
-              <a:t>nie je potrebné stále vytvárať model</a:t>
+              <a:t>nie je potrebné vytvárať model</a:t>
+            </a:r>
+          </a:p>
+          <a:p>
+            <a:r>
+              <a:rPr lang="sk-SK" sz="2200" dirty="0"/>
+              <a:t>ľahšie zvláda dynamickosť dát</a:t>
             </a:r>
           </a:p>
           <a:p>
             <a:r>
               <a:rPr lang="sk-SK" sz="2200" dirty="0"/>
               <a:t>beží v kolách</a:t>
-            </a:r>
-          </a:p>
-          <a:p>
-            <a:r>
-              <a:rPr lang="sk-SK" sz="2200" dirty="0"/>
-              <a:t>ľahšie zvláda dynamickosť dát</a:t>
             </a:r>
           </a:p>
           <a:p>
@@ -8738,8 +8767,8 @@
           </a:p>
         </p:txBody>
       </p:sp>
-      <mc:AlternateContent xmlns:mc="http://schemas.openxmlformats.org/markup-compatibility/2006">
-        <mc:Choice xmlns:a14="http://schemas.microsoft.com/office/drawing/2010/main" Requires="a14">
+      <mc:AlternateContent xmlns:mc="http://schemas.openxmlformats.org/markup-compatibility/2006" xmlns:a14="http://schemas.microsoft.com/office/drawing/2010/main">
+        <mc:Choice Requires="a14">
           <p:sp>
             <p:nvSpPr>
               <p:cNvPr id="3" name="Zástupný objekt pre obsah 2">
@@ -8927,7 +8956,7 @@
             </p:txBody>
           </p:sp>
         </mc:Choice>
-        <mc:Fallback>
+        <mc:Fallback xmlns="">
           <p:sp>
             <p:nvSpPr>
               <p:cNvPr id="3" name="Zástupný objekt pre obsah 2">
@@ -9278,11 +9307,7 @@
           <a:p>
             <a:r>
               <a:rPr lang="sk-SK" sz="2200" dirty="0"/>
-              <a:t>z klientskej strany na server: začiatočná zastávka, konečná zastávka, </a:t>
-            </a:r>
-            <a:r>
-              <a:rPr lang="sk-SK" sz="2200" dirty="0" err="1"/>
-              <a:t>datum</a:t>
+              <a:t>z klientskej strany na server: začiatočná zastávka, konečná zastávka, dátum</a:t>
             </a:r>
             <a:r>
               <a:rPr lang="en-GB" sz="2200" dirty="0"/>
